--- a/bilder_edit/LoRaPaket.pptx
+++ b/bilder_edit/LoRaPaket.pptx
@@ -289,6 +289,7 @@
           <a:p>
             <a:fld id="{DCA81FFB-3B56-417A-8901-CC3B1CEDD919}" type="datetimeFigureOut">
               <a:rPr lang="de-DE" smtClean="0"/>
+              <a:pPr/>
               <a:t>26.05.2019</a:t>
             </a:fld>
             <a:endParaRPr lang="de-DE" dirty="0"/>
@@ -331,6 +332,7 @@
           <a:p>
             <a:fld id="{00A84624-628D-403B-B0B2-6672C1A19518}" type="slidenum">
               <a:rPr lang="de-DE" smtClean="0"/>
+              <a:pPr/>
               <a:t>‹Nr.›</a:t>
             </a:fld>
             <a:endParaRPr lang="de-DE" dirty="0"/>
@@ -454,6 +456,7 @@
           <a:p>
             <a:fld id="{DCA81FFB-3B56-417A-8901-CC3B1CEDD919}" type="datetimeFigureOut">
               <a:rPr lang="de-DE" smtClean="0"/>
+              <a:pPr/>
               <a:t>26.05.2019</a:t>
             </a:fld>
             <a:endParaRPr lang="de-DE" dirty="0"/>
@@ -496,6 +499,7 @@
           <a:p>
             <a:fld id="{00A84624-628D-403B-B0B2-6672C1A19518}" type="slidenum">
               <a:rPr lang="de-DE" smtClean="0"/>
+              <a:pPr/>
               <a:t>‹Nr.›</a:t>
             </a:fld>
             <a:endParaRPr lang="de-DE" dirty="0"/>
@@ -629,6 +633,7 @@
           <a:p>
             <a:fld id="{DCA81FFB-3B56-417A-8901-CC3B1CEDD919}" type="datetimeFigureOut">
               <a:rPr lang="de-DE" smtClean="0"/>
+              <a:pPr/>
               <a:t>26.05.2019</a:t>
             </a:fld>
             <a:endParaRPr lang="de-DE" dirty="0"/>
@@ -671,6 +676,7 @@
           <a:p>
             <a:fld id="{00A84624-628D-403B-B0B2-6672C1A19518}" type="slidenum">
               <a:rPr lang="de-DE" smtClean="0"/>
+              <a:pPr/>
               <a:t>‹Nr.›</a:t>
             </a:fld>
             <a:endParaRPr lang="de-DE" dirty="0"/>
@@ -794,6 +800,7 @@
           <a:p>
             <a:fld id="{DCA81FFB-3B56-417A-8901-CC3B1CEDD919}" type="datetimeFigureOut">
               <a:rPr lang="de-DE" smtClean="0"/>
+              <a:pPr/>
               <a:t>26.05.2019</a:t>
             </a:fld>
             <a:endParaRPr lang="de-DE" dirty="0"/>
@@ -836,6 +843,7 @@
           <a:p>
             <a:fld id="{00A84624-628D-403B-B0B2-6672C1A19518}" type="slidenum">
               <a:rPr lang="de-DE" smtClean="0"/>
+              <a:pPr/>
               <a:t>‹Nr.›</a:t>
             </a:fld>
             <a:endParaRPr lang="de-DE" dirty="0"/>
@@ -1035,6 +1043,7 @@
           <a:p>
             <a:fld id="{DCA81FFB-3B56-417A-8901-CC3B1CEDD919}" type="datetimeFigureOut">
               <a:rPr lang="de-DE" smtClean="0"/>
+              <a:pPr/>
               <a:t>26.05.2019</a:t>
             </a:fld>
             <a:endParaRPr lang="de-DE" dirty="0"/>
@@ -1077,6 +1086,7 @@
           <a:p>
             <a:fld id="{00A84624-628D-403B-B0B2-6672C1A19518}" type="slidenum">
               <a:rPr lang="de-DE" smtClean="0"/>
+              <a:pPr/>
               <a:t>‹Nr.›</a:t>
             </a:fld>
             <a:endParaRPr lang="de-DE" dirty="0"/>
@@ -1318,6 +1328,7 @@
           <a:p>
             <a:fld id="{DCA81FFB-3B56-417A-8901-CC3B1CEDD919}" type="datetimeFigureOut">
               <a:rPr lang="de-DE" smtClean="0"/>
+              <a:pPr/>
               <a:t>26.05.2019</a:t>
             </a:fld>
             <a:endParaRPr lang="de-DE" dirty="0"/>
@@ -1360,6 +1371,7 @@
           <a:p>
             <a:fld id="{00A84624-628D-403B-B0B2-6672C1A19518}" type="slidenum">
               <a:rPr lang="de-DE" smtClean="0"/>
+              <a:pPr/>
               <a:t>‹Nr.›</a:t>
             </a:fld>
             <a:endParaRPr lang="de-DE" dirty="0"/>
@@ -1735,6 +1747,7 @@
           <a:p>
             <a:fld id="{DCA81FFB-3B56-417A-8901-CC3B1CEDD919}" type="datetimeFigureOut">
               <a:rPr lang="de-DE" smtClean="0"/>
+              <a:pPr/>
               <a:t>26.05.2019</a:t>
             </a:fld>
             <a:endParaRPr lang="de-DE" dirty="0"/>
@@ -1777,6 +1790,7 @@
           <a:p>
             <a:fld id="{00A84624-628D-403B-B0B2-6672C1A19518}" type="slidenum">
               <a:rPr lang="de-DE" smtClean="0"/>
+              <a:pPr/>
               <a:t>‹Nr.›</a:t>
             </a:fld>
             <a:endParaRPr lang="de-DE" dirty="0"/>
@@ -1848,6 +1862,7 @@
           <a:p>
             <a:fld id="{DCA81FFB-3B56-417A-8901-CC3B1CEDD919}" type="datetimeFigureOut">
               <a:rPr lang="de-DE" smtClean="0"/>
+              <a:pPr/>
               <a:t>26.05.2019</a:t>
             </a:fld>
             <a:endParaRPr lang="de-DE" dirty="0"/>
@@ -1890,6 +1905,7 @@
           <a:p>
             <a:fld id="{00A84624-628D-403B-B0B2-6672C1A19518}" type="slidenum">
               <a:rPr lang="de-DE" smtClean="0"/>
+              <a:pPr/>
               <a:t>‹Nr.›</a:t>
             </a:fld>
             <a:endParaRPr lang="de-DE" dirty="0"/>
@@ -1938,6 +1954,7 @@
           <a:p>
             <a:fld id="{DCA81FFB-3B56-417A-8901-CC3B1CEDD919}" type="datetimeFigureOut">
               <a:rPr lang="de-DE" smtClean="0"/>
+              <a:pPr/>
               <a:t>26.05.2019</a:t>
             </a:fld>
             <a:endParaRPr lang="de-DE" dirty="0"/>
@@ -1980,6 +1997,7 @@
           <a:p>
             <a:fld id="{00A84624-628D-403B-B0B2-6672C1A19518}" type="slidenum">
               <a:rPr lang="de-DE" smtClean="0"/>
+              <a:pPr/>
               <a:t>‹Nr.›</a:t>
             </a:fld>
             <a:endParaRPr lang="de-DE" dirty="0"/>
@@ -2210,6 +2228,7 @@
           <a:p>
             <a:fld id="{DCA81FFB-3B56-417A-8901-CC3B1CEDD919}" type="datetimeFigureOut">
               <a:rPr lang="de-DE" smtClean="0"/>
+              <a:pPr/>
               <a:t>26.05.2019</a:t>
             </a:fld>
             <a:endParaRPr lang="de-DE" dirty="0"/>
@@ -2252,6 +2271,7 @@
           <a:p>
             <a:fld id="{00A84624-628D-403B-B0B2-6672C1A19518}" type="slidenum">
               <a:rPr lang="de-DE" smtClean="0"/>
+              <a:pPr/>
               <a:t>‹Nr.›</a:t>
             </a:fld>
             <a:endParaRPr lang="de-DE" dirty="0"/>
@@ -2458,6 +2478,7 @@
           <a:p>
             <a:fld id="{DCA81FFB-3B56-417A-8901-CC3B1CEDD919}" type="datetimeFigureOut">
               <a:rPr lang="de-DE" smtClean="0"/>
+              <a:pPr/>
               <a:t>26.05.2019</a:t>
             </a:fld>
             <a:endParaRPr lang="de-DE" dirty="0"/>
@@ -2500,6 +2521,7 @@
           <a:p>
             <a:fld id="{00A84624-628D-403B-B0B2-6672C1A19518}" type="slidenum">
               <a:rPr lang="de-DE" smtClean="0"/>
+              <a:pPr/>
               <a:t>‹Nr.›</a:t>
             </a:fld>
             <a:endParaRPr lang="de-DE" dirty="0"/>
@@ -2666,6 +2688,7 @@
           <a:p>
             <a:fld id="{DCA81FFB-3B56-417A-8901-CC3B1CEDD919}" type="datetimeFigureOut">
               <a:rPr lang="de-DE" smtClean="0"/>
+              <a:pPr/>
               <a:t>26.05.2019</a:t>
             </a:fld>
             <a:endParaRPr lang="de-DE" dirty="0"/>
@@ -2744,6 +2767,7 @@
           <a:p>
             <a:fld id="{00A84624-628D-403B-B0B2-6672C1A19518}" type="slidenum">
               <a:rPr lang="de-DE" smtClean="0"/>
+              <a:pPr/>
               <a:t>‹Nr.›</a:t>
             </a:fld>
             <a:endParaRPr lang="de-DE" dirty="0"/>
@@ -3795,6 +3819,10 @@
                     <a:lstStyle/>
                     <a:p>
                       <a:pPr algn="ctr"/>
+                      <a:r>
+                        <a:rPr lang="de-DE" dirty="0" smtClean="0"/>
+                        <a:t>?</a:t>
+                      </a:r>
                       <a:endParaRPr lang="de-DE" dirty="0"/>
                     </a:p>
                   </a:txBody>
@@ -3844,6 +3872,10 @@
                     <a:lstStyle/>
                     <a:p>
                       <a:pPr algn="ctr"/>
+                      <a:r>
+                        <a:rPr lang="de-DE" dirty="0" smtClean="0"/>
+                        <a:t>?</a:t>
+                      </a:r>
                       <a:endParaRPr lang="de-DE" dirty="0"/>
                     </a:p>
                   </a:txBody>
@@ -3893,6 +3925,10 @@
                     <a:lstStyle/>
                     <a:p>
                       <a:pPr algn="ctr"/>
+                      <a:r>
+                        <a:rPr lang="de-DE" dirty="0" smtClean="0"/>
+                        <a:t>18-32</a:t>
+                      </a:r>
                       <a:endParaRPr lang="de-DE" dirty="0"/>
                     </a:p>
                   </a:txBody>
@@ -3942,6 +3978,10 @@
                     <a:lstStyle/>
                     <a:p>
                       <a:pPr algn="ctr"/>
+                      <a:r>
+                        <a:rPr lang="de-DE" dirty="0" smtClean="0"/>
+                        <a:t>2</a:t>
+                      </a:r>
                       <a:endParaRPr lang="de-DE" dirty="0"/>
                     </a:p>
                   </a:txBody>
@@ -4547,7 +4587,7 @@
                       <a:pPr algn="ctr"/>
                       <a:r>
                         <a:rPr lang="de-DE" dirty="0" smtClean="0"/>
-                        <a:t>bis M</a:t>
+                        <a:t>13-27</a:t>
                       </a:r>
                       <a:endParaRPr lang="de-DE" dirty="0"/>
                     </a:p>
@@ -5845,12 +5885,12 @@
                     <a:p>
                       <a:pPr algn="ctr"/>
                       <a:r>
-                        <a:rPr lang="de-DE" dirty="0" smtClean="0"/>
-                        <a:t>8</a:t>
+                        <a:rPr lang="de-DE" baseline="0" dirty="0" smtClean="0"/>
+                        <a:t>7 </a:t>
                       </a:r>
                       <a:r>
                         <a:rPr lang="de-DE" baseline="0" dirty="0" smtClean="0"/>
-                        <a:t> bis 22</a:t>
+                        <a:t>bis 22</a:t>
                       </a:r>
                       <a:endParaRPr lang="de-DE" dirty="0"/>
                     </a:p>
@@ -5903,7 +5943,11 @@
                       <a:pPr algn="ctr"/>
                       <a:r>
                         <a:rPr lang="de-DE" dirty="0" smtClean="0"/>
-                        <a:t>3</a:t>
+                        <a:t>0</a:t>
+                      </a:r>
+                      <a:r>
+                        <a:rPr lang="de-DE" baseline="0" dirty="0" smtClean="0"/>
+                        <a:t> bis 1</a:t>
                       </a:r>
                       <a:endParaRPr lang="de-DE" dirty="0"/>
                     </a:p>
@@ -5956,7 +6000,7 @@
                       <a:pPr algn="ctr"/>
                       <a:r>
                         <a:rPr lang="de-DE" dirty="0" smtClean="0"/>
-                        <a:t>2</a:t>
+                        <a:t>?</a:t>
                       </a:r>
                       <a:endParaRPr lang="de-DE" dirty="0"/>
                     </a:p>
